--- a/slides/04_apis.pptx
+++ b/slides/04_apis.pptx
@@ -22826,13 +22826,7 @@
               <a:rPr lang="en-US" sz="3200" dirty="0" smtClean="0">
                 <a:latin typeface="PFDinTextCompPro-Bold"/>
               </a:rPr>
-              <a:t>Read </a:t>
-            </a:r>
-            <a:r>
-              <a:rPr lang="en-US" sz="3200" smtClean="0">
-                <a:latin typeface="PFDinTextCompPro-Bold"/>
-              </a:rPr>
-              <a:t>the documentation</a:t>
+              <a:t>Read the documentation</a:t>
             </a:r>
             <a:endParaRPr lang="en-US" sz="3200" dirty="0" smtClean="0">
               <a:latin typeface="PFDinTextCompPro-Bold"/>
